--- a/Powerpoint/Module14-ProxyFunctions.pptx
+++ b/Powerpoint/Module14-ProxyFunctions.pptx
@@ -111,6 +111,22 @@
       </a:defRPr>
     </a:lvl9pPr>
   </p:defaultTextStyle>
+  <p:extLst>
+    <p:ext uri="{EFAFB233-063F-42B5-8137-9DF3F51BA10A}">
+      <p15:sldGuideLst xmlns:p15="http://schemas.microsoft.com/office/powerpoint/2012/main">
+        <p15:guide id="1" orient="horz" pos="2160">
+          <p15:clr>
+            <a:srgbClr val="A4A3A4"/>
+          </p15:clr>
+        </p15:guide>
+        <p15:guide id="2" pos="2880">
+          <p15:clr>
+            <a:srgbClr val="A4A3A4"/>
+          </p15:clr>
+        </p15:guide>
+      </p15:sldGuideLst>
+    </p:ext>
+  </p:extLst>
 </p:presentation>
 </file>
 
@@ -158,7 +174,7 @@
           </a:lstStyle>
           <a:p>
             <a:r>
-              <a:rPr lang="en-US" smtClean="0"/>
+              <a:rPr lang="en-US"/>
               <a:t>Click to edit Master title style</a:t>
             </a:r>
             <a:endParaRPr lang="en-US" dirty="0"/>
@@ -278,7 +294,7 @@
           </a:lstStyle>
           <a:p>
             <a:r>
-              <a:rPr lang="en-US" smtClean="0"/>
+              <a:rPr lang="en-US"/>
               <a:t>Click to edit Master subtitle style</a:t>
             </a:r>
             <a:endParaRPr lang="en-US" dirty="0"/>
@@ -391,10 +407,9 @@
           <a:lstStyle/>
           <a:p>
             <a:r>
-              <a:rPr lang="en-US" smtClean="0"/>
+              <a:rPr lang="en-US"/>
               <a:t>Click to edit Master title style</a:t>
             </a:r>
-            <a:endParaRPr lang="en-US"/>
           </a:p>
         </p:txBody>
       </p:sp>
@@ -415,38 +430,37 @@
           <a:p>
             <a:pPr lvl="0"/>
             <a:r>
-              <a:rPr lang="en-US" smtClean="0"/>
+              <a:rPr lang="en-US"/>
               <a:t>Click to edit Master text styles</a:t>
             </a:r>
           </a:p>
           <a:p>
             <a:pPr lvl="1"/>
             <a:r>
-              <a:rPr lang="en-US" smtClean="0"/>
+              <a:rPr lang="en-US"/>
               <a:t>Second level</a:t>
             </a:r>
           </a:p>
           <a:p>
             <a:pPr lvl="2"/>
             <a:r>
-              <a:rPr lang="en-US" smtClean="0"/>
+              <a:rPr lang="en-US"/>
               <a:t>Third level</a:t>
             </a:r>
           </a:p>
           <a:p>
             <a:pPr lvl="3"/>
             <a:r>
-              <a:rPr lang="en-US" smtClean="0"/>
+              <a:rPr lang="en-US"/>
               <a:t>Fourth level</a:t>
             </a:r>
           </a:p>
           <a:p>
             <a:pPr lvl="4"/>
             <a:r>
-              <a:rPr lang="en-US" smtClean="0"/>
+              <a:rPr lang="en-US"/>
               <a:t>Fifth level</a:t>
             </a:r>
-            <a:endParaRPr lang="en-US"/>
           </a:p>
         </p:txBody>
       </p:sp>
@@ -484,10 +498,9 @@
           </a:lstStyle>
           <a:p>
             <a:r>
-              <a:rPr lang="en-US" dirty="0" smtClean="0"/>
+              <a:rPr lang="en-US" dirty="0"/>
               <a:t>©Concentrated Technology</a:t>
             </a:r>
-            <a:endParaRPr lang="en-US" dirty="0"/>
           </a:p>
         </p:txBody>
       </p:sp>
@@ -548,7 +561,7 @@
           </a:lstStyle>
           <a:p>
             <a:r>
-              <a:rPr lang="en-US" smtClean="0"/>
+              <a:rPr lang="en-US"/>
               <a:t>Click to edit Master title style</a:t>
             </a:r>
             <a:endParaRPr lang="en-US" dirty="0"/>
@@ -668,7 +681,7 @@
           <a:p>
             <a:pPr lvl="0"/>
             <a:r>
-              <a:rPr lang="en-US" smtClean="0"/>
+              <a:rPr lang="en-US"/>
               <a:t>Click to edit Master text styles</a:t>
             </a:r>
           </a:p>
@@ -743,10 +756,9 @@
           </a:lstStyle>
           <a:p>
             <a:r>
-              <a:rPr lang="en-US" dirty="0" smtClean="0"/>
+              <a:rPr lang="en-US" dirty="0"/>
               <a:t>©Concentrated Technology</a:t>
             </a:r>
-            <a:endParaRPr lang="en-US" dirty="0"/>
           </a:p>
         </p:txBody>
       </p:sp>
@@ -791,10 +803,9 @@
           <a:lstStyle/>
           <a:p>
             <a:r>
-              <a:rPr lang="en-US" smtClean="0"/>
+              <a:rPr lang="en-US"/>
               <a:t>Click to edit Master title style</a:t>
             </a:r>
-            <a:endParaRPr lang="en-US"/>
           </a:p>
         </p:txBody>
       </p:sp>
@@ -848,35 +859,35 @@
           <a:p>
             <a:pPr lvl="0"/>
             <a:r>
-              <a:rPr lang="en-US" smtClean="0"/>
+              <a:rPr lang="en-US"/>
               <a:t>Click to edit Master text styles</a:t>
             </a:r>
           </a:p>
           <a:p>
             <a:pPr lvl="1"/>
             <a:r>
-              <a:rPr lang="en-US" smtClean="0"/>
+              <a:rPr lang="en-US"/>
               <a:t>Second level</a:t>
             </a:r>
           </a:p>
           <a:p>
             <a:pPr lvl="2"/>
             <a:r>
-              <a:rPr lang="en-US" smtClean="0"/>
+              <a:rPr lang="en-US"/>
               <a:t>Third level</a:t>
             </a:r>
           </a:p>
           <a:p>
             <a:pPr lvl="3"/>
             <a:r>
-              <a:rPr lang="en-US" smtClean="0"/>
+              <a:rPr lang="en-US"/>
               <a:t>Fourth level</a:t>
             </a:r>
           </a:p>
           <a:p>
             <a:pPr lvl="4"/>
             <a:r>
-              <a:rPr lang="en-US" smtClean="0"/>
+              <a:rPr lang="en-US"/>
               <a:t>Fifth level</a:t>
             </a:r>
             <a:endParaRPr lang="en-US" dirty="0"/>
@@ -933,35 +944,35 @@
           <a:p>
             <a:pPr lvl="0"/>
             <a:r>
-              <a:rPr lang="en-US" smtClean="0"/>
+              <a:rPr lang="en-US"/>
               <a:t>Click to edit Master text styles</a:t>
             </a:r>
           </a:p>
           <a:p>
             <a:pPr lvl="1"/>
             <a:r>
-              <a:rPr lang="en-US" smtClean="0"/>
+              <a:rPr lang="en-US"/>
               <a:t>Second level</a:t>
             </a:r>
           </a:p>
           <a:p>
             <a:pPr lvl="2"/>
             <a:r>
-              <a:rPr lang="en-US" smtClean="0"/>
+              <a:rPr lang="en-US"/>
               <a:t>Third level</a:t>
             </a:r>
           </a:p>
           <a:p>
             <a:pPr lvl="3"/>
             <a:r>
-              <a:rPr lang="en-US" smtClean="0"/>
+              <a:rPr lang="en-US"/>
               <a:t>Fourth level</a:t>
             </a:r>
           </a:p>
           <a:p>
             <a:pPr lvl="4"/>
             <a:r>
-              <a:rPr lang="en-US" smtClean="0"/>
+              <a:rPr lang="en-US"/>
               <a:t>Fifth level</a:t>
             </a:r>
             <a:endParaRPr lang="en-US" dirty="0"/>
@@ -1002,10 +1013,9 @@
           </a:lstStyle>
           <a:p>
             <a:r>
-              <a:rPr lang="en-US" dirty="0" smtClean="0"/>
+              <a:rPr lang="en-US" dirty="0"/>
               <a:t>©Concentrated Technology</a:t>
             </a:r>
-            <a:endParaRPr lang="en-US" dirty="0"/>
           </a:p>
         </p:txBody>
       </p:sp>
@@ -1054,7 +1064,7 @@
           </a:lstStyle>
           <a:p>
             <a:r>
-              <a:rPr lang="en-US" smtClean="0"/>
+              <a:rPr lang="en-US"/>
               <a:t>Click to edit Master title style</a:t>
             </a:r>
             <a:endParaRPr lang="en-US" dirty="0"/>
@@ -1143,7 +1153,7 @@
           <a:p>
             <a:pPr lvl="0"/>
             <a:r>
-              <a:rPr lang="en-US" smtClean="0"/>
+              <a:rPr lang="en-US"/>
               <a:t>Click to edit Master text styles</a:t>
             </a:r>
           </a:p>
@@ -1199,35 +1209,35 @@
           <a:p>
             <a:pPr lvl="0"/>
             <a:r>
-              <a:rPr lang="en-US" smtClean="0"/>
+              <a:rPr lang="en-US"/>
               <a:t>Click to edit Master text styles</a:t>
             </a:r>
           </a:p>
           <a:p>
             <a:pPr lvl="1"/>
             <a:r>
-              <a:rPr lang="en-US" smtClean="0"/>
+              <a:rPr lang="en-US"/>
               <a:t>Second level</a:t>
             </a:r>
           </a:p>
           <a:p>
             <a:pPr lvl="2"/>
             <a:r>
-              <a:rPr lang="en-US" smtClean="0"/>
+              <a:rPr lang="en-US"/>
               <a:t>Third level</a:t>
             </a:r>
           </a:p>
           <a:p>
             <a:pPr lvl="3"/>
             <a:r>
-              <a:rPr lang="en-US" smtClean="0"/>
+              <a:rPr lang="en-US"/>
               <a:t>Fourth level</a:t>
             </a:r>
           </a:p>
           <a:p>
             <a:pPr lvl="4"/>
             <a:r>
-              <a:rPr lang="en-US" smtClean="0"/>
+              <a:rPr lang="en-US"/>
               <a:t>Fifth level</a:t>
             </a:r>
             <a:endParaRPr lang="en-US" dirty="0"/>
@@ -1319,7 +1329,7 @@
           <a:p>
             <a:pPr lvl="0"/>
             <a:r>
-              <a:rPr lang="en-US" smtClean="0"/>
+              <a:rPr lang="en-US"/>
               <a:t>Click to edit Master text styles</a:t>
             </a:r>
           </a:p>
@@ -1375,35 +1385,35 @@
           <a:p>
             <a:pPr lvl="0"/>
             <a:r>
-              <a:rPr lang="en-US" smtClean="0"/>
+              <a:rPr lang="en-US"/>
               <a:t>Click to edit Master text styles</a:t>
             </a:r>
           </a:p>
           <a:p>
             <a:pPr lvl="1"/>
             <a:r>
-              <a:rPr lang="en-US" smtClean="0"/>
+              <a:rPr lang="en-US"/>
               <a:t>Second level</a:t>
             </a:r>
           </a:p>
           <a:p>
             <a:pPr lvl="2"/>
             <a:r>
-              <a:rPr lang="en-US" smtClean="0"/>
+              <a:rPr lang="en-US"/>
               <a:t>Third level</a:t>
             </a:r>
           </a:p>
           <a:p>
             <a:pPr lvl="3"/>
             <a:r>
-              <a:rPr lang="en-US" smtClean="0"/>
+              <a:rPr lang="en-US"/>
               <a:t>Fourth level</a:t>
             </a:r>
           </a:p>
           <a:p>
             <a:pPr lvl="4"/>
             <a:r>
-              <a:rPr lang="en-US" smtClean="0"/>
+              <a:rPr lang="en-US"/>
               <a:t>Fifth level</a:t>
             </a:r>
             <a:endParaRPr lang="en-US" dirty="0"/>
@@ -1479,10 +1489,9 @@
           </a:lstStyle>
           <a:p>
             <a:r>
-              <a:rPr lang="en-US" dirty="0" smtClean="0"/>
+              <a:rPr lang="en-US" dirty="0"/>
               <a:t>©Concentrated Technology</a:t>
             </a:r>
-            <a:endParaRPr lang="en-US" dirty="0"/>
           </a:p>
         </p:txBody>
       </p:sp>
@@ -1527,10 +1536,9 @@
           <a:lstStyle/>
           <a:p>
             <a:r>
-              <a:rPr lang="en-US" smtClean="0"/>
+              <a:rPr lang="en-US"/>
               <a:t>Click to edit Master title style</a:t>
             </a:r>
-            <a:endParaRPr lang="en-US"/>
           </a:p>
         </p:txBody>
       </p:sp>
@@ -1568,10 +1576,9 @@
           </a:lstStyle>
           <a:p>
             <a:r>
-              <a:rPr lang="en-US" dirty="0" smtClean="0"/>
+              <a:rPr lang="en-US" dirty="0"/>
               <a:t>©Concentrated Technology</a:t>
             </a:r>
-            <a:endParaRPr lang="en-US" dirty="0"/>
           </a:p>
         </p:txBody>
       </p:sp>
@@ -1652,7 +1659,7 @@
           </a:lstStyle>
           <a:p>
             <a:r>
-              <a:rPr lang="en-US" smtClean="0"/>
+              <a:rPr lang="en-US"/>
               <a:t>Click to edit Master title style</a:t>
             </a:r>
             <a:endParaRPr lang="en-US" dirty="0"/>
@@ -1709,35 +1716,35 @@
           <a:p>
             <a:pPr lvl="0"/>
             <a:r>
-              <a:rPr lang="en-US" smtClean="0"/>
+              <a:rPr lang="en-US"/>
               <a:t>Click to edit Master text styles</a:t>
             </a:r>
           </a:p>
           <a:p>
             <a:pPr lvl="1"/>
             <a:r>
-              <a:rPr lang="en-US" smtClean="0"/>
+              <a:rPr lang="en-US"/>
               <a:t>Second level</a:t>
             </a:r>
           </a:p>
           <a:p>
             <a:pPr lvl="2"/>
             <a:r>
-              <a:rPr lang="en-US" smtClean="0"/>
+              <a:rPr lang="en-US"/>
               <a:t>Third level</a:t>
             </a:r>
           </a:p>
           <a:p>
             <a:pPr lvl="3"/>
             <a:r>
-              <a:rPr lang="en-US" smtClean="0"/>
+              <a:rPr lang="en-US"/>
               <a:t>Fourth level</a:t>
             </a:r>
           </a:p>
           <a:p>
             <a:pPr lvl="4"/>
             <a:r>
-              <a:rPr lang="en-US" smtClean="0"/>
+              <a:rPr lang="en-US"/>
               <a:t>Fifth level</a:t>
             </a:r>
             <a:endParaRPr lang="en-US" dirty="0"/>
@@ -1803,7 +1810,7 @@
           <a:p>
             <a:pPr lvl="0"/>
             <a:r>
-              <a:rPr lang="en-US" smtClean="0"/>
+              <a:rPr lang="en-US"/>
               <a:t>Click to edit Master text styles</a:t>
             </a:r>
           </a:p>
@@ -1878,10 +1885,9 @@
           </a:lstStyle>
           <a:p>
             <a:r>
-              <a:rPr lang="en-US" dirty="0" smtClean="0"/>
+              <a:rPr lang="en-US" dirty="0"/>
               <a:t>©Concentrated Technology</a:t>
             </a:r>
-            <a:endParaRPr lang="en-US" dirty="0"/>
           </a:p>
         </p:txBody>
       </p:sp>
@@ -1937,7 +1943,7 @@
           </a:lstStyle>
           <a:p>
             <a:r>
-              <a:rPr lang="en-US" smtClean="0"/>
+              <a:rPr lang="en-US"/>
               <a:t>Click to edit Master title style</a:t>
             </a:r>
             <a:endParaRPr lang="en-US" dirty="0"/>
@@ -2018,7 +2024,7 @@
           </a:lstStyle>
           <a:p>
             <a:r>
-              <a:rPr lang="en-US" smtClean="0"/>
+              <a:rPr lang="en-US"/>
               <a:t>Drag picture to placeholder or click icon to add</a:t>
             </a:r>
             <a:endParaRPr lang="en-US" dirty="0"/>
@@ -2084,7 +2090,7 @@
           <a:p>
             <a:pPr lvl="0"/>
             <a:r>
-              <a:rPr lang="en-US" smtClean="0"/>
+              <a:rPr lang="en-US"/>
               <a:t>Click to edit Master text styles</a:t>
             </a:r>
           </a:p>
@@ -2124,10 +2130,9 @@
           </a:lstStyle>
           <a:p>
             <a:r>
-              <a:rPr lang="en-US" dirty="0" smtClean="0"/>
+              <a:rPr lang="en-US" dirty="0"/>
               <a:t>©Concentrated Technology</a:t>
             </a:r>
-            <a:endParaRPr lang="en-US" dirty="0"/>
           </a:p>
         </p:txBody>
       </p:sp>
@@ -2233,7 +2238,7 @@
           <a:lstStyle/>
           <a:p>
             <a:r>
-              <a:rPr lang="en-US" smtClean="0"/>
+              <a:rPr lang="en-US"/>
               <a:t>Click to edit Master title style</a:t>
             </a:r>
             <a:endParaRPr lang="en-US" dirty="0"/>
@@ -2267,35 +2272,35 @@
           <a:p>
             <a:pPr lvl="0"/>
             <a:r>
-              <a:rPr lang="en-US" smtClean="0"/>
+              <a:rPr lang="en-US"/>
               <a:t>Click to edit Master text styles</a:t>
             </a:r>
           </a:p>
           <a:p>
             <a:pPr lvl="1"/>
             <a:r>
-              <a:rPr lang="en-US" smtClean="0"/>
+              <a:rPr lang="en-US"/>
               <a:t>Second level</a:t>
             </a:r>
           </a:p>
           <a:p>
             <a:pPr lvl="2"/>
             <a:r>
-              <a:rPr lang="en-US" smtClean="0"/>
+              <a:rPr lang="en-US"/>
               <a:t>Third level</a:t>
             </a:r>
           </a:p>
           <a:p>
             <a:pPr lvl="3"/>
             <a:r>
-              <a:rPr lang="en-US" smtClean="0"/>
+              <a:rPr lang="en-US"/>
               <a:t>Fourth level</a:t>
             </a:r>
           </a:p>
           <a:p>
             <a:pPr lvl="4"/>
             <a:r>
-              <a:rPr lang="en-US" smtClean="0"/>
+              <a:rPr lang="en-US"/>
               <a:t>Fifth level</a:t>
             </a:r>
             <a:endParaRPr lang="en-US" dirty="0"/>
@@ -2382,10 +2387,9 @@
           </a:lstStyle>
           <a:p>
             <a:r>
-              <a:rPr lang="en-US" dirty="0" smtClean="0"/>
+              <a:rPr lang="en-US" dirty="0"/>
               <a:t>©Concentrated Technology</a:t>
             </a:r>
-            <a:endParaRPr lang="en-US" dirty="0"/>
           </a:p>
         </p:txBody>
       </p:sp>
@@ -2725,10 +2729,9 @@
           <a:lstStyle/>
           <a:p>
             <a:r>
-              <a:rPr lang="en-US" dirty="0" smtClean="0"/>
+              <a:rPr lang="en-US" dirty="0"/>
               <a:t>Creating Proxy Functions</a:t>
             </a:r>
-            <a:endParaRPr lang="en-US" dirty="0"/>
           </a:p>
         </p:txBody>
       </p:sp>
@@ -2753,10 +2756,9 @@
           <a:lstStyle/>
           <a:p>
             <a:r>
-              <a:rPr lang="en-US" dirty="0" smtClean="0"/>
+              <a:rPr lang="en-US" dirty="0"/>
               <a:t>Module 14</a:t>
             </a:r>
-            <a:endParaRPr lang="en-US" dirty="0"/>
           </a:p>
         </p:txBody>
       </p:sp>
@@ -2806,10 +2808,9 @@
           <a:lstStyle/>
           <a:p>
             <a:r>
-              <a:rPr lang="en-US" dirty="0" smtClean="0"/>
+              <a:rPr lang="en-US" dirty="0"/>
               <a:t>Designing Proxy Functions</a:t>
             </a:r>
-            <a:endParaRPr lang="en-US" dirty="0"/>
           </a:p>
         </p:txBody>
       </p:sp>
@@ -2829,10 +2830,9 @@
           <a:lstStyle/>
           <a:p>
             <a:r>
-              <a:rPr lang="en-US" dirty="0" smtClean="0"/>
+              <a:rPr lang="en-US" dirty="0"/>
               <a:t>Lesson 1</a:t>
             </a:r>
-            <a:endParaRPr lang="en-US" dirty="0"/>
           </a:p>
         </p:txBody>
       </p:sp>
@@ -2884,17 +2884,16 @@
           <a:lstStyle/>
           <a:p>
             <a:r>
-              <a:rPr lang="en-US" dirty="0" smtClean="0"/>
+              <a:rPr lang="en-US" dirty="0"/>
               <a:t>Creating a proxy function </a:t>
             </a:r>
             <a:br>
-              <a:rPr lang="en-US" dirty="0" smtClean="0"/>
+              <a:rPr lang="en-US" dirty="0"/>
             </a:br>
             <a:r>
-              <a:rPr lang="en-US" dirty="0" smtClean="0"/>
+              <a:rPr lang="en-US" dirty="0"/>
               <a:t>template</a:t>
             </a:r>
-            <a:endParaRPr lang="en-US" dirty="0"/>
           </a:p>
         </p:txBody>
       </p:sp>
@@ -2922,22 +2921,14 @@
           <a:p>
             <a:r>
               <a:rPr lang="en-US" dirty="0"/>
-              <a:t>The first step in creating a proxy function is to create the </a:t>
-            </a:r>
-            <a:r>
-              <a:rPr lang="en-US" dirty="0" smtClean="0"/>
-              <a:t>template.</a:t>
+              <a:t>The first step in creating a proxy function is to create the template.</a:t>
             </a:r>
           </a:p>
           <a:p>
             <a:pPr lvl="1"/>
             <a:r>
-              <a:rPr lang="en-US" dirty="0" smtClean="0"/>
-              <a:t> </a:t>
-            </a:r>
-            <a:r>
-              <a:rPr lang="en-US" dirty="0"/>
-              <a:t>PS C:\&gt; $metadata = New-Object </a:t>
+              <a:rPr lang="en-US" dirty="0"/>
+              <a:t> PS C:\&gt; $metadata = New-Object </a:t>
             </a:r>
             <a:r>
               <a:rPr lang="en-US" dirty="0" err="1"/>
@@ -2951,15 +2942,7 @@
             </a:pPr>
             <a:r>
               <a:rPr lang="en-US" dirty="0"/>
-              <a:t> </a:t>
-            </a:r>
-            <a:r>
-              <a:rPr lang="en-US" dirty="0" smtClean="0"/>
-              <a:t> (</a:t>
-            </a:r>
-            <a:r>
-              <a:rPr lang="en-US" dirty="0"/>
-              <a:t>Get-Command </a:t>
+              <a:t>  (Get-Command </a:t>
             </a:r>
             <a:r>
               <a:rPr lang="en-US" dirty="0" err="1"/>
@@ -2984,26 +2967,12 @@
               <a:rPr lang="en-US" dirty="0"/>
               <a:t>]::Create($metadata) | Out-File NewScript.ps1 </a:t>
             </a:r>
-            <a:endParaRPr lang="en-US" dirty="0" smtClean="0"/>
-          </a:p>
-          <a:p>
-            <a:r>
-              <a:rPr lang="en-US" dirty="0"/>
-              <a:t>W</a:t>
-            </a:r>
-            <a:r>
-              <a:rPr lang="en-US" dirty="0" smtClean="0"/>
-              <a:t>rap </a:t>
-            </a:r>
-            <a:r>
-              <a:rPr lang="en-US" dirty="0"/>
-              <a:t>this in a function named Export-HTML and rename the proxy </a:t>
-            </a:r>
-            <a:r>
-              <a:rPr lang="en-US" dirty="0" smtClean="0"/>
-              <a:t>function. </a:t>
-            </a:r>
-            <a:endParaRPr lang="en-US" dirty="0"/>
+          </a:p>
+          <a:p>
+            <a:r>
+              <a:rPr lang="en-US" dirty="0"/>
+              <a:t>Wrap this in a function named Export-HTML and rename the proxy function. </a:t>
+            </a:r>
           </a:p>
         </p:txBody>
       </p:sp>
@@ -3123,10 +3092,9 @@
           <a:lstStyle/>
           <a:p>
             <a:r>
-              <a:rPr lang="en-US" dirty="0" smtClean="0"/>
+              <a:rPr lang="en-US" dirty="0"/>
               <a:t>Removing a parameter</a:t>
             </a:r>
-            <a:endParaRPr lang="en-US" dirty="0"/>
           </a:p>
         </p:txBody>
       </p:sp>
@@ -3146,18 +3114,14 @@
           <a:lstStyle/>
           <a:p>
             <a:r>
-              <a:rPr lang="en-US" dirty="0" smtClean="0"/>
+              <a:rPr lang="en-US" dirty="0"/>
               <a:t>In the example, the –Fragment parameter has been removed.</a:t>
             </a:r>
           </a:p>
           <a:p>
             <a:r>
-              <a:rPr lang="en-US" dirty="0" smtClean="0"/>
-              <a:t>Was located between </a:t>
-            </a:r>
-            <a:r>
-              <a:rPr lang="en-US" dirty="0"/>
-              <a:t>$</a:t>
+              <a:rPr lang="en-US" dirty="0"/>
+              <a:t>Was located between $</a:t>
             </a:r>
             <a:r>
               <a:rPr lang="en-US" dirty="0" err="1"/>
@@ -3165,28 +3129,20 @@
             </a:r>
             <a:r>
               <a:rPr lang="en-US" dirty="0"/>
-              <a:t> </a:t>
-            </a:r>
-            <a:r>
-              <a:rPr lang="en-US" dirty="0" smtClean="0"/>
-              <a:t>and </a:t>
-            </a:r>
-            <a:r>
-              <a:rPr lang="en-US" dirty="0"/>
-              <a:t>$</a:t>
-            </a:r>
-            <a:r>
-              <a:rPr lang="en-US" dirty="0" err="1" smtClean="0"/>
+              <a:t> and $</a:t>
+            </a:r>
+            <a:r>
+              <a:rPr lang="en-US" dirty="0" err="1"/>
               <a:t>PostContent</a:t>
             </a:r>
             <a:r>
-              <a:rPr lang="en-US" dirty="0" smtClean="0"/>
+              <a:rPr lang="en-US" dirty="0"/>
               <a:t>.</a:t>
             </a:r>
           </a:p>
           <a:p>
             <a:r>
-              <a:rPr lang="en-US" dirty="0" smtClean="0"/>
+              <a:rPr lang="en-US" dirty="0"/>
               <a:t> To test:</a:t>
             </a:r>
           </a:p>
@@ -3283,10 +3239,9 @@
           <a:lstStyle/>
           <a:p>
             <a:r>
-              <a:rPr lang="en-US" dirty="0" smtClean="0"/>
+              <a:rPr lang="en-US" dirty="0"/>
               <a:t>Adding a parameter</a:t>
             </a:r>
-            <a:endParaRPr lang="en-US" dirty="0"/>
           </a:p>
         </p:txBody>
       </p:sp>
@@ -3311,18 +3266,17 @@
           <a:lstStyle/>
           <a:p>
             <a:r>
-              <a:rPr lang="en-US" dirty="0" smtClean="0"/>
+              <a:rPr lang="en-US" dirty="0"/>
               <a:t>In the example, the parameter –</a:t>
             </a:r>
             <a:r>
-              <a:rPr lang="en-US" dirty="0" err="1" smtClean="0"/>
+              <a:rPr lang="en-US" dirty="0" err="1"/>
               <a:t>FilePath</a:t>
             </a:r>
             <a:r>
-              <a:rPr lang="en-US" dirty="0" smtClean="0"/>
+              <a:rPr lang="en-US" dirty="0"/>
               <a:t> will be added.</a:t>
             </a:r>
-            <a:endParaRPr lang="en-US" dirty="0"/>
           </a:p>
         </p:txBody>
       </p:sp>
@@ -3442,10 +3396,9 @@
           <a:lstStyle/>
           <a:p>
             <a:r>
-              <a:rPr lang="en-US" dirty="0" smtClean="0"/>
+              <a:rPr lang="en-US" dirty="0"/>
               <a:t>Loading the proxy function</a:t>
             </a:r>
-            <a:endParaRPr lang="en-US" dirty="0"/>
           </a:p>
         </p:txBody>
       </p:sp>
@@ -3468,28 +3421,11 @@
               <a:rPr lang="en-US" dirty="0"/>
               <a:t>There are a few rules regarding proxy functions when it comes time to load them. </a:t>
             </a:r>
-            <a:endParaRPr lang="en-US" dirty="0" smtClean="0"/>
-          </a:p>
-          <a:p>
-            <a:r>
-              <a:rPr lang="en-US" dirty="0"/>
-              <a:t>Export-</a:t>
-            </a:r>
-            <a:r>
-              <a:rPr lang="en-US" dirty="0" smtClean="0"/>
-              <a:t>HTML</a:t>
-            </a:r>
-            <a:r>
-              <a:rPr lang="en-US" dirty="0"/>
-              <a:t> </a:t>
-            </a:r>
-            <a:r>
-              <a:rPr lang="en-US" dirty="0" smtClean="0"/>
-              <a:t>was </a:t>
-            </a:r>
-            <a:r>
-              <a:rPr lang="en-US" dirty="0"/>
-              <a:t>able to coexist with the original wrapped command, </a:t>
+          </a:p>
+          <a:p>
+            <a:r>
+              <a:rPr lang="en-US" dirty="0"/>
+              <a:t>Export-HTML was able to coexist with the original wrapped command, </a:t>
             </a:r>
             <a:r>
               <a:rPr lang="en-US" dirty="0" err="1"/>
@@ -3499,24 +3435,11 @@
               <a:rPr lang="en-US" dirty="0"/>
               <a:t>-HTML. </a:t>
             </a:r>
-            <a:endParaRPr lang="en-US" dirty="0" smtClean="0"/>
-          </a:p>
-          <a:p>
-            <a:r>
-              <a:rPr lang="en-US" dirty="0" smtClean="0"/>
-              <a:t>If you </a:t>
-            </a:r>
-            <a:r>
-              <a:rPr lang="en-US" dirty="0"/>
-              <a:t>named </a:t>
-            </a:r>
-            <a:r>
-              <a:rPr lang="en-US" dirty="0" smtClean="0"/>
-              <a:t>the </a:t>
-            </a:r>
-            <a:r>
-              <a:rPr lang="en-US" dirty="0"/>
-              <a:t>function </a:t>
+          </a:p>
+          <a:p>
+            <a:r>
+              <a:rPr lang="en-US" dirty="0"/>
+              <a:t>If you named the function </a:t>
             </a:r>
             <a:r>
               <a:rPr lang="en-US" dirty="0" err="1"/>
@@ -3524,15 +3447,7 @@
             </a:r>
             <a:r>
               <a:rPr lang="en-US" dirty="0"/>
-              <a:t>-HTML, then </a:t>
-            </a:r>
-            <a:r>
-              <a:rPr lang="en-US" dirty="0" smtClean="0"/>
-              <a:t>you </a:t>
-            </a:r>
-            <a:r>
-              <a:rPr lang="en-US" dirty="0"/>
-              <a:t>have effectively removed easy access to the original </a:t>
+              <a:t>-HTML, then you have effectively removed easy access to the original </a:t>
             </a:r>
             <a:r>
               <a:rPr lang="en-US" dirty="0" err="1"/>
@@ -3542,16 +3457,11 @@
               <a:rPr lang="en-US" dirty="0"/>
               <a:t>-HTML. </a:t>
             </a:r>
-            <a:endParaRPr lang="en-US" dirty="0" smtClean="0"/>
-          </a:p>
-          <a:p>
-            <a:r>
-              <a:rPr lang="en-US" dirty="0" smtClean="0"/>
-              <a:t>When </a:t>
-            </a:r>
-            <a:r>
-              <a:rPr lang="en-US" dirty="0"/>
-              <a:t>two loaded commands have the same name, PowerShell runs the last one loaded by default. </a:t>
+          </a:p>
+          <a:p>
+            <a:r>
+              <a:rPr lang="en-US" dirty="0"/>
+              <a:t>When two loaded commands have the same name, PowerShell runs the last one loaded by default. </a:t>
             </a:r>
           </a:p>
         </p:txBody>
@@ -3633,10 +3543,9 @@
           <a:p>
             <a:pPr algn="ctr"/>
             <a:r>
-              <a:rPr lang="en-US" dirty="0" smtClean="0"/>
+              <a:rPr lang="en-US" dirty="0"/>
               <a:t>Lab A</a:t>
             </a:r>
-            <a:endParaRPr lang="en-US" dirty="0"/>
           </a:p>
         </p:txBody>
       </p:sp>
@@ -3682,7 +3591,7 @@
           <a:p>
             <a:pPr algn="ctr"/>
             <a:r>
-              <a:rPr lang="en-US" dirty="0" smtClean="0"/>
+              <a:rPr lang="en-US" dirty="0"/>
               <a:t>45 Minutes</a:t>
             </a:r>
           </a:p>
@@ -3693,21 +3602,21 @@
           <a:p>
             <a:pPr algn="ctr"/>
             <a:r>
-              <a:rPr lang="en-US" b="1" dirty="0" smtClean="0"/>
+              <a:rPr lang="en-US" b="1" dirty="0"/>
               <a:t>CLIENT</a:t>
             </a:r>
           </a:p>
           <a:p>
             <a:pPr algn="ctr"/>
             <a:r>
-              <a:rPr lang="en-US" b="1" dirty="0" smtClean="0"/>
+              <a:rPr lang="en-US" b="1" dirty="0"/>
               <a:t>MEMBER</a:t>
             </a:r>
           </a:p>
           <a:p>
             <a:pPr algn="ctr"/>
             <a:r>
-              <a:rPr lang="en-US" b="1" dirty="0" smtClean="0"/>
+              <a:rPr lang="en-US" b="1" dirty="0"/>
               <a:t>DC</a:t>
             </a:r>
           </a:p>
@@ -3718,17 +3627,16 @@
           <a:p>
             <a:pPr algn="ctr"/>
             <a:r>
-              <a:rPr lang="en-US" b="1" dirty="0" smtClean="0"/>
+              <a:rPr lang="en-US" b="1" dirty="0"/>
               <a:t>Administrator</a:t>
             </a:r>
             <a:br>
-              <a:rPr lang="en-US" b="1" dirty="0" smtClean="0"/>
+              <a:rPr lang="en-US" b="1" dirty="0"/>
             </a:br>
             <a:r>
-              <a:rPr lang="en-US" b="1" dirty="0" smtClean="0"/>
+              <a:rPr lang="en-US" b="1" dirty="0"/>
               <a:t>P@ssw0rd</a:t>
             </a:r>
-            <a:endParaRPr lang="en-US" b="1" dirty="0"/>
           </a:p>
         </p:txBody>
       </p:sp>
@@ -3808,10 +3716,9 @@
           <a:lstStyle/>
           <a:p>
             <a:r>
-              <a:rPr lang="en-US" dirty="0" smtClean="0"/>
+              <a:rPr lang="en-US" dirty="0"/>
               <a:t>Conclusion</a:t>
             </a:r>
-            <a:endParaRPr lang="en-US" dirty="0"/>
           </a:p>
         </p:txBody>
       </p:sp>
@@ -3834,16 +3741,11 @@
               <a:rPr lang="en-US" dirty="0"/>
               <a:t>Proxy functions are a powerful way to build additional functionality around existing PowerShell commands, or to create “dumbed-down” versions of existing commands, either for security or functionality reasons. </a:t>
             </a:r>
-            <a:endParaRPr lang="en-US" dirty="0" smtClean="0"/>
-          </a:p>
-          <a:p>
-            <a:r>
-              <a:rPr lang="en-US" dirty="0" smtClean="0"/>
-              <a:t>When </a:t>
-            </a:r>
-            <a:r>
-              <a:rPr lang="en-US" dirty="0"/>
-              <a:t>used carefully, proxy functions are a valuable technique to have in your </a:t>
+          </a:p>
+          <a:p>
+            <a:r>
+              <a:rPr lang="en-US" dirty="0"/>
+              <a:t>When used carefully, proxy functions are a valuable technique to have in your </a:t>
             </a:r>
             <a:r>
               <a:rPr lang="en-US" dirty="0" err="1"/>
